--- a/translations/en-us/TeamManagement/RookieTips.pptx
+++ b/translations/en-us/TeamManagement/RookieTips.pptx
@@ -272,8 +272,11 @@
     </a:lvl9pPr>
   </p:defaultTextStyle>
   <p:extLst>
+    <p:ext uri="{EFAFB233-063F-42B5-8137-9DF3F51BA10A}">
+      <p15:sldGuideLst xmlns:p15="http://schemas.microsoft.com/office/powerpoint/2012/main"/>
+    </p:ext>
     <p:ext uri="http://customooxmlschemas.google.com/">
-      <go:slidesCustomData xmlns:go="http://customooxmlschemas.google.com/" xmlns:p15="http://schemas.microsoft.com/office/powerpoint/2012/main" xmlns:p14="http://schemas.microsoft.com/office/powerpoint/2010/main" xmlns:com="http://schemas.openxmlformats.org/drawingml/2006/compatibility" xmlns:pvml="urn:schemas-microsoft-com:office:powerpoint" xmlns:v="urn:schemas-microsoft-com:vml" xmlns:o="urn:schemas-microsoft-com:office:office" xmlns:dgm="http://schemas.openxmlformats.org/drawingml/2006/diagram" xmlns:c="http://schemas.openxmlformats.org/drawingml/2006/chart" xmlns:mv="urn:schemas-microsoft-com:mac:vml" xmlns:mc="http://schemas.openxmlformats.org/markup-compatibility/2006" xmlns="" r:id="rId26" roundtripDataSignature="AMtx7mgoM8yKJrOd7oiamibSRhw+maeHFg=="/>
+      <go:slidesCustomData xmlns="" xmlns:mc="http://schemas.openxmlformats.org/markup-compatibility/2006" xmlns:mv="urn:schemas-microsoft-com:mac:vml" xmlns:c="http://schemas.openxmlformats.org/drawingml/2006/chart" xmlns:dgm="http://schemas.openxmlformats.org/drawingml/2006/diagram" xmlns:o="urn:schemas-microsoft-com:office:office" xmlns:v="urn:schemas-microsoft-com:vml" xmlns:pvml="urn:schemas-microsoft-com:office:powerpoint" xmlns:com="http://schemas.openxmlformats.org/drawingml/2006/compatibility" xmlns:p14="http://schemas.microsoft.com/office/powerpoint/2010/main" xmlns:p15="http://schemas.microsoft.com/office/powerpoint/2012/main" xmlns:go="http://customooxmlschemas.google.com/" r:id="rId26" roundtripDataSignature="AMtx7mgoM8yKJrOd7oiamibSRhw+maeHFg=="/>
     </p:ext>
   </p:extLst>
 </p:presentation>
@@ -3676,6 +3679,10 @@
             </a:lvl9pPr>
           </a:lstStyle>
           <a:p>
+            <a:r>
+              <a:rPr lang="en-US"/>
+              <a:t>Copyright 2020 FTCTutorials.com (Last edit 4/1/2020)</a:t>
+            </a:r>
             <a:endParaRPr/>
           </a:p>
         </p:txBody>
@@ -6059,6 +6066,10 @@
             </a:lvl9pPr>
           </a:lstStyle>
           <a:p>
+            <a:r>
+              <a:rPr lang="en-US"/>
+              <a:t>Copyright 2020 FTCTutorials.com (Last edit 4/1/2020)</a:t>
+            </a:r>
             <a:endParaRPr/>
           </a:p>
         </p:txBody>
@@ -7035,6 +7046,10 @@
             </a:lvl9pPr>
           </a:lstStyle>
           <a:p>
+            <a:r>
+              <a:rPr lang="en-US"/>
+              <a:t>Copyright 2020 FTCTutorials.com (Last edit 4/1/2020)</a:t>
+            </a:r>
             <a:endParaRPr/>
           </a:p>
         </p:txBody>
@@ -8011,6 +8026,10 @@
             </a:lvl9pPr>
           </a:lstStyle>
           <a:p>
+            <a:r>
+              <a:rPr lang="en-US"/>
+              <a:t>Copyright 2020 FTCTutorials.com (Last edit 4/1/2020)</a:t>
+            </a:r>
             <a:endParaRPr/>
           </a:p>
         </p:txBody>
@@ -9289,6 +9308,10 @@
             </a:lvl9pPr>
           </a:lstStyle>
           <a:p>
+            <a:r>
+              <a:rPr lang="en-US"/>
+              <a:t>Copyright 2020 FTCTutorials.com (Last edit 4/1/2020)</a:t>
+            </a:r>
             <a:endParaRPr/>
           </a:p>
         </p:txBody>
@@ -10525,6 +10548,10 @@
             </a:lvl9pPr>
           </a:lstStyle>
           <a:p>
+            <a:r>
+              <a:rPr lang="en-US"/>
+              <a:t>Copyright 2020 FTCTutorials.com (Last edit 4/1/2020)</a:t>
+            </a:r>
             <a:endParaRPr/>
           </a:p>
         </p:txBody>
@@ -11990,6 +12017,10 @@
             </a:lvl9pPr>
           </a:lstStyle>
           <a:p>
+            <a:r>
+              <a:rPr lang="en-US"/>
+              <a:t>Copyright 2020 FTCTutorials.com (Last edit 4/1/2020)</a:t>
+            </a:r>
             <a:endParaRPr/>
           </a:p>
         </p:txBody>
@@ -13829,6 +13860,10 @@
             </a:lvl9pPr>
           </a:lstStyle>
           <a:p>
+            <a:r>
+              <a:rPr lang="en-US"/>
+              <a:t>Copyright 2020 FTCTutorials.com (Last edit 4/1/2020)</a:t>
+            </a:r>
             <a:endParaRPr/>
           </a:p>
         </p:txBody>
@@ -15757,6 +15792,10 @@
             </a:lvl9pPr>
           </a:lstStyle>
           <a:p>
+            <a:r>
+              <a:rPr lang="en-US"/>
+              <a:t>Copyright 2020 FTCTutorials.com (Last edit 4/1/2020)</a:t>
+            </a:r>
             <a:endParaRPr/>
           </a:p>
         </p:txBody>
@@ -16383,6 +16422,10 @@
             </a:lvl9pPr>
           </a:lstStyle>
           <a:p>
+            <a:r>
+              <a:rPr lang="en-US"/>
+              <a:t>Copyright 2020 FTCTutorials.com (Last edit 4/1/2020)</a:t>
+            </a:r>
             <a:endParaRPr/>
           </a:p>
         </p:txBody>
@@ -17243,6 +17286,10 @@
             </a:lvl9pPr>
           </a:lstStyle>
           <a:p>
+            <a:r>
+              <a:rPr lang="en-US"/>
+              <a:t>Copyright 2020 FTCTutorials.com (Last edit 4/1/2020)</a:t>
+            </a:r>
             <a:endParaRPr/>
           </a:p>
         </p:txBody>
@@ -18935,6 +18982,10 @@
             </a:lvl9pPr>
           </a:lstStyle>
           <a:p>
+            <a:r>
+              <a:rPr lang="en-US"/>
+              <a:t>Copyright 2020 FTCTutorials.com (Last edit 4/1/2020)</a:t>
+            </a:r>
             <a:endParaRPr/>
           </a:p>
         </p:txBody>
@@ -20321,6 +20372,10 @@
             </a:lvl9pPr>
           </a:lstStyle>
           <a:p>
+            <a:r>
+              <a:rPr lang="en-US"/>
+              <a:t>Copyright 2020 FTCTutorials.com (Last edit 4/1/2020)</a:t>
+            </a:r>
             <a:endParaRPr/>
           </a:p>
         </p:txBody>
@@ -20623,7 +20678,7 @@
     <p:sldLayoutId id="2147483659" r:id="rId11"/>
     <p:sldLayoutId id="2147483660" r:id="rId12"/>
   </p:sldLayoutIdLst>
-  <p:hf sldNum="0" hdr="0" ftr="0" dt="0"/>
+  <p:hf hdr="0" dt="0"/>
   <p:txStyles>
     <p:titleStyle>
       <a:defPPr marR="0" lvl="0" algn="l" rtl="0">
@@ -22310,6 +22365,72 @@
           </a:p>
         </p:txBody>
       </p:sp>
+      <p:sp>
+        <p:nvSpPr>
+          <p:cNvPr id="4" name="Footer Placeholder 3">
+            <a:extLst>
+              <a:ext uri="{FF2B5EF4-FFF2-40B4-BE49-F238E27FC236}">
+                <a16:creationId xmlns:a16="http://schemas.microsoft.com/office/drawing/2014/main" id="{AA4F6710-B4A7-BF4A-AAAB-A383EEFC470C}"/>
+              </a:ext>
+            </a:extLst>
+          </p:cNvPr>
+          <p:cNvSpPr>
+            <a:spLocks noGrp="1"/>
+          </p:cNvSpPr>
+          <p:nvPr>
+            <p:ph type="ftr" idx="11"/>
+          </p:nvPr>
+        </p:nvSpPr>
+        <p:spPr/>
+        <p:txBody>
+          <a:bodyPr/>
+          <a:lstStyle/>
+          <a:p>
+            <a:r>
+              <a:rPr lang="en-US"/>
+              <a:t>Copyright 2020 FTCTutorials.com (Last edit 4/1/2020)</a:t>
+            </a:r>
+          </a:p>
+        </p:txBody>
+      </p:sp>
+      <p:sp>
+        <p:nvSpPr>
+          <p:cNvPr id="5" name="Slide Number Placeholder 4">
+            <a:extLst>
+              <a:ext uri="{FF2B5EF4-FFF2-40B4-BE49-F238E27FC236}">
+                <a16:creationId xmlns:a16="http://schemas.microsoft.com/office/drawing/2014/main" id="{040271A4-E3A8-0D45-BEE0-87527FBA2188}"/>
+              </a:ext>
+            </a:extLst>
+          </p:cNvPr>
+          <p:cNvSpPr>
+            <a:spLocks noGrp="1"/>
+          </p:cNvSpPr>
+          <p:nvPr>
+            <p:ph type="sldNum" idx="12"/>
+          </p:nvPr>
+        </p:nvSpPr>
+        <p:spPr/>
+        <p:txBody>
+          <a:bodyPr/>
+          <a:lstStyle/>
+          <a:p>
+            <a:pPr marL="0" lvl="0" indent="0" algn="r" rtl="0">
+              <a:spcBef>
+                <a:spcPts val="0"/>
+              </a:spcBef>
+              <a:spcAft>
+                <a:spcPts val="0"/>
+              </a:spcAft>
+              <a:buNone/>
+            </a:pPr>
+            <a:fld id="{00000000-1234-1234-1234-123412341234}" type="slidenum">
+              <a:rPr lang="en-US" smtClean="0"/>
+              <a:t>10</a:t>
+            </a:fld>
+            <a:endParaRPr lang="en-US"/>
+          </a:p>
+        </p:txBody>
+      </p:sp>
     </p:spTree>
     <p:extLst>
       <p:ext uri="{BB962C8B-B14F-4D97-AF65-F5344CB8AC3E}">
@@ -22747,6 +22868,44 @@
           </a:p>
         </p:txBody>
       </p:sp>
+      <p:sp>
+        <p:nvSpPr>
+          <p:cNvPr id="4" name="Slide Number Placeholder 3">
+            <a:extLst>
+              <a:ext uri="{FF2B5EF4-FFF2-40B4-BE49-F238E27FC236}">
+                <a16:creationId xmlns:a16="http://schemas.microsoft.com/office/drawing/2014/main" id="{A2B789CB-D4B4-0E40-B5A9-43F56DE9BF14}"/>
+              </a:ext>
+            </a:extLst>
+          </p:cNvPr>
+          <p:cNvSpPr>
+            <a:spLocks noGrp="1"/>
+          </p:cNvSpPr>
+          <p:nvPr>
+            <p:ph type="sldNum" idx="12"/>
+          </p:nvPr>
+        </p:nvSpPr>
+        <p:spPr/>
+        <p:txBody>
+          <a:bodyPr/>
+          <a:lstStyle/>
+          <a:p>
+            <a:pPr marL="0" lvl="0" indent="0" algn="r" rtl="0">
+              <a:spcBef>
+                <a:spcPts val="0"/>
+              </a:spcBef>
+              <a:spcAft>
+                <a:spcPts val="0"/>
+              </a:spcAft>
+              <a:buNone/>
+            </a:pPr>
+            <a:fld id="{00000000-1234-1234-1234-123412341234}" type="slidenum">
+              <a:rPr lang="en-US" smtClean="0"/>
+              <a:t>11</a:t>
+            </a:fld>
+            <a:endParaRPr lang="en-US"/>
+          </a:p>
+        </p:txBody>
+      </p:sp>
     </p:spTree>
     <p:extLst>
       <p:ext uri="{BB962C8B-B14F-4D97-AF65-F5344CB8AC3E}">
@@ -22923,6 +23082,72 @@
           </a:p>
           <a:p>
             <a:endParaRPr lang="en-US" dirty="0"/>
+          </a:p>
+        </p:txBody>
+      </p:sp>
+      <p:sp>
+        <p:nvSpPr>
+          <p:cNvPr id="3" name="Footer Placeholder 2">
+            <a:extLst>
+              <a:ext uri="{FF2B5EF4-FFF2-40B4-BE49-F238E27FC236}">
+                <a16:creationId xmlns:a16="http://schemas.microsoft.com/office/drawing/2014/main" id="{CD1BE63B-2C8E-204E-8FFE-5694B8FFEB98}"/>
+              </a:ext>
+            </a:extLst>
+          </p:cNvPr>
+          <p:cNvSpPr>
+            <a:spLocks noGrp="1"/>
+          </p:cNvSpPr>
+          <p:nvPr>
+            <p:ph type="ftr" idx="11"/>
+          </p:nvPr>
+        </p:nvSpPr>
+        <p:spPr/>
+        <p:txBody>
+          <a:bodyPr/>
+          <a:lstStyle/>
+          <a:p>
+            <a:r>
+              <a:rPr lang="en-US"/>
+              <a:t>Copyright 2020 FTCTutorials.com (Last edit 4/1/2020)</a:t>
+            </a:r>
+          </a:p>
+        </p:txBody>
+      </p:sp>
+      <p:sp>
+        <p:nvSpPr>
+          <p:cNvPr id="4" name="Slide Number Placeholder 3">
+            <a:extLst>
+              <a:ext uri="{FF2B5EF4-FFF2-40B4-BE49-F238E27FC236}">
+                <a16:creationId xmlns:a16="http://schemas.microsoft.com/office/drawing/2014/main" id="{664A20D1-10C3-DB43-82DA-CE8452CDA0AC}"/>
+              </a:ext>
+            </a:extLst>
+          </p:cNvPr>
+          <p:cNvSpPr>
+            <a:spLocks noGrp="1"/>
+          </p:cNvSpPr>
+          <p:nvPr>
+            <p:ph type="sldNum" idx="12"/>
+          </p:nvPr>
+        </p:nvSpPr>
+        <p:spPr/>
+        <p:txBody>
+          <a:bodyPr/>
+          <a:lstStyle/>
+          <a:p>
+            <a:pPr marL="0" lvl="0" indent="0" algn="r" rtl="0">
+              <a:spcBef>
+                <a:spcPts val="0"/>
+              </a:spcBef>
+              <a:spcAft>
+                <a:spcPts val="0"/>
+              </a:spcAft>
+              <a:buNone/>
+            </a:pPr>
+            <a:fld id="{00000000-1234-1234-1234-123412341234}" type="slidenum">
+              <a:rPr lang="en-US" smtClean="0"/>
+              <a:t>2</a:t>
+            </a:fld>
+            <a:endParaRPr lang="en-US"/>
           </a:p>
         </p:txBody>
       </p:sp>
@@ -23120,6 +23345,72 @@
           </a:p>
         </p:txBody>
       </p:sp>
+      <p:sp>
+        <p:nvSpPr>
+          <p:cNvPr id="4" name="Footer Placeholder 3">
+            <a:extLst>
+              <a:ext uri="{FF2B5EF4-FFF2-40B4-BE49-F238E27FC236}">
+                <a16:creationId xmlns:a16="http://schemas.microsoft.com/office/drawing/2014/main" id="{6E61FA88-DB25-DB44-9ADA-5F158B941F9D}"/>
+              </a:ext>
+            </a:extLst>
+          </p:cNvPr>
+          <p:cNvSpPr>
+            <a:spLocks noGrp="1"/>
+          </p:cNvSpPr>
+          <p:nvPr>
+            <p:ph type="ftr" idx="11"/>
+          </p:nvPr>
+        </p:nvSpPr>
+        <p:spPr/>
+        <p:txBody>
+          <a:bodyPr/>
+          <a:lstStyle/>
+          <a:p>
+            <a:r>
+              <a:rPr lang="en-US"/>
+              <a:t>Copyright 2020 FTCTutorials.com (Last edit 4/1/2020)</a:t>
+            </a:r>
+          </a:p>
+        </p:txBody>
+      </p:sp>
+      <p:sp>
+        <p:nvSpPr>
+          <p:cNvPr id="5" name="Slide Number Placeholder 4">
+            <a:extLst>
+              <a:ext uri="{FF2B5EF4-FFF2-40B4-BE49-F238E27FC236}">
+                <a16:creationId xmlns:a16="http://schemas.microsoft.com/office/drawing/2014/main" id="{2F4EF18B-46C6-E340-8963-72079EE18BCB}"/>
+              </a:ext>
+            </a:extLst>
+          </p:cNvPr>
+          <p:cNvSpPr>
+            <a:spLocks noGrp="1"/>
+          </p:cNvSpPr>
+          <p:nvPr>
+            <p:ph type="sldNum" idx="12"/>
+          </p:nvPr>
+        </p:nvSpPr>
+        <p:spPr/>
+        <p:txBody>
+          <a:bodyPr/>
+          <a:lstStyle/>
+          <a:p>
+            <a:pPr marL="0" lvl="0" indent="0" algn="r" rtl="0">
+              <a:spcBef>
+                <a:spcPts val="0"/>
+              </a:spcBef>
+              <a:spcAft>
+                <a:spcPts val="0"/>
+              </a:spcAft>
+              <a:buNone/>
+            </a:pPr>
+            <a:fld id="{00000000-1234-1234-1234-123412341234}" type="slidenum">
+              <a:rPr lang="en-US" smtClean="0"/>
+              <a:t>3</a:t>
+            </a:fld>
+            <a:endParaRPr lang="en-US"/>
+          </a:p>
+        </p:txBody>
+      </p:sp>
     </p:spTree>
     <p:extLst>
       <p:ext uri="{BB962C8B-B14F-4D97-AF65-F5344CB8AC3E}">
@@ -23270,6 +23561,72 @@
               <a:rPr lang="en-US" dirty="0"/>
               <a:t>Research to discover designs and speed up the process</a:t>
             </a:r>
+          </a:p>
+        </p:txBody>
+      </p:sp>
+      <p:sp>
+        <p:nvSpPr>
+          <p:cNvPr id="4" name="Footer Placeholder 3">
+            <a:extLst>
+              <a:ext uri="{FF2B5EF4-FFF2-40B4-BE49-F238E27FC236}">
+                <a16:creationId xmlns:a16="http://schemas.microsoft.com/office/drawing/2014/main" id="{9215A838-5DD8-DA44-AB69-23124B42EFB1}"/>
+              </a:ext>
+            </a:extLst>
+          </p:cNvPr>
+          <p:cNvSpPr>
+            <a:spLocks noGrp="1"/>
+          </p:cNvSpPr>
+          <p:nvPr>
+            <p:ph type="ftr" idx="11"/>
+          </p:nvPr>
+        </p:nvSpPr>
+        <p:spPr/>
+        <p:txBody>
+          <a:bodyPr/>
+          <a:lstStyle/>
+          <a:p>
+            <a:r>
+              <a:rPr lang="en-US"/>
+              <a:t>Copyright 2020 FTCTutorials.com (Last edit 4/1/2020)</a:t>
+            </a:r>
+          </a:p>
+        </p:txBody>
+      </p:sp>
+      <p:sp>
+        <p:nvSpPr>
+          <p:cNvPr id="5" name="Slide Number Placeholder 4">
+            <a:extLst>
+              <a:ext uri="{FF2B5EF4-FFF2-40B4-BE49-F238E27FC236}">
+                <a16:creationId xmlns:a16="http://schemas.microsoft.com/office/drawing/2014/main" id="{29C8AFD3-E3C2-374D-A4C9-3897DE2B8CB1}"/>
+              </a:ext>
+            </a:extLst>
+          </p:cNvPr>
+          <p:cNvSpPr>
+            <a:spLocks noGrp="1"/>
+          </p:cNvSpPr>
+          <p:nvPr>
+            <p:ph type="sldNum" idx="12"/>
+          </p:nvPr>
+        </p:nvSpPr>
+        <p:spPr/>
+        <p:txBody>
+          <a:bodyPr/>
+          <a:lstStyle/>
+          <a:p>
+            <a:pPr marL="0" lvl="0" indent="0" algn="r" rtl="0">
+              <a:spcBef>
+                <a:spcPts val="0"/>
+              </a:spcBef>
+              <a:spcAft>
+                <a:spcPts val="0"/>
+              </a:spcAft>
+              <a:buNone/>
+            </a:pPr>
+            <a:fld id="{00000000-1234-1234-1234-123412341234}" type="slidenum">
+              <a:rPr lang="en-US" smtClean="0"/>
+              <a:t>4</a:t>
+            </a:fld>
+            <a:endParaRPr lang="en-US"/>
           </a:p>
         </p:txBody>
       </p:sp>
@@ -23426,6 +23783,72 @@
           </a:p>
         </p:txBody>
       </p:sp>
+      <p:sp>
+        <p:nvSpPr>
+          <p:cNvPr id="4" name="Footer Placeholder 3">
+            <a:extLst>
+              <a:ext uri="{FF2B5EF4-FFF2-40B4-BE49-F238E27FC236}">
+                <a16:creationId xmlns:a16="http://schemas.microsoft.com/office/drawing/2014/main" id="{6BF90F86-188E-1943-B12E-44AAAD773B79}"/>
+              </a:ext>
+            </a:extLst>
+          </p:cNvPr>
+          <p:cNvSpPr>
+            <a:spLocks noGrp="1"/>
+          </p:cNvSpPr>
+          <p:nvPr>
+            <p:ph type="ftr" idx="11"/>
+          </p:nvPr>
+        </p:nvSpPr>
+        <p:spPr/>
+        <p:txBody>
+          <a:bodyPr/>
+          <a:lstStyle/>
+          <a:p>
+            <a:r>
+              <a:rPr lang="en-US"/>
+              <a:t>Copyright 2020 FTCTutorials.com (Last edit 4/1/2020)</a:t>
+            </a:r>
+          </a:p>
+        </p:txBody>
+      </p:sp>
+      <p:sp>
+        <p:nvSpPr>
+          <p:cNvPr id="5" name="Slide Number Placeholder 4">
+            <a:extLst>
+              <a:ext uri="{FF2B5EF4-FFF2-40B4-BE49-F238E27FC236}">
+                <a16:creationId xmlns:a16="http://schemas.microsoft.com/office/drawing/2014/main" id="{27C1AA8F-5B23-5C42-ADD3-D95FE40C6F52}"/>
+              </a:ext>
+            </a:extLst>
+          </p:cNvPr>
+          <p:cNvSpPr>
+            <a:spLocks noGrp="1"/>
+          </p:cNvSpPr>
+          <p:nvPr>
+            <p:ph type="sldNum" idx="12"/>
+          </p:nvPr>
+        </p:nvSpPr>
+        <p:spPr/>
+        <p:txBody>
+          <a:bodyPr/>
+          <a:lstStyle/>
+          <a:p>
+            <a:pPr marL="0" lvl="0" indent="0" algn="r" rtl="0">
+              <a:spcBef>
+                <a:spcPts val="0"/>
+              </a:spcBef>
+              <a:spcAft>
+                <a:spcPts val="0"/>
+              </a:spcAft>
+              <a:buNone/>
+            </a:pPr>
+            <a:fld id="{00000000-1234-1234-1234-123412341234}" type="slidenum">
+              <a:rPr lang="en-US" smtClean="0"/>
+              <a:t>5</a:t>
+            </a:fld>
+            <a:endParaRPr lang="en-US"/>
+          </a:p>
+        </p:txBody>
+      </p:sp>
     </p:spTree>
     <p:extLst>
       <p:ext uri="{BB962C8B-B14F-4D97-AF65-F5344CB8AC3E}">
@@ -23576,6 +23999,72 @@
           </a:p>
           <a:p>
             <a:endParaRPr lang="en-US" dirty="0"/>
+          </a:p>
+        </p:txBody>
+      </p:sp>
+      <p:sp>
+        <p:nvSpPr>
+          <p:cNvPr id="4" name="Footer Placeholder 3">
+            <a:extLst>
+              <a:ext uri="{FF2B5EF4-FFF2-40B4-BE49-F238E27FC236}">
+                <a16:creationId xmlns:a16="http://schemas.microsoft.com/office/drawing/2014/main" id="{11D84729-8E85-8A42-B156-F3E0F97E0E9E}"/>
+              </a:ext>
+            </a:extLst>
+          </p:cNvPr>
+          <p:cNvSpPr>
+            <a:spLocks noGrp="1"/>
+          </p:cNvSpPr>
+          <p:nvPr>
+            <p:ph type="ftr" idx="11"/>
+          </p:nvPr>
+        </p:nvSpPr>
+        <p:spPr/>
+        <p:txBody>
+          <a:bodyPr/>
+          <a:lstStyle/>
+          <a:p>
+            <a:r>
+              <a:rPr lang="en-US"/>
+              <a:t>Copyright 2020 FTCTutorials.com (Last edit 4/1/2020)</a:t>
+            </a:r>
+          </a:p>
+        </p:txBody>
+      </p:sp>
+      <p:sp>
+        <p:nvSpPr>
+          <p:cNvPr id="5" name="Slide Number Placeholder 4">
+            <a:extLst>
+              <a:ext uri="{FF2B5EF4-FFF2-40B4-BE49-F238E27FC236}">
+                <a16:creationId xmlns:a16="http://schemas.microsoft.com/office/drawing/2014/main" id="{AF489538-861F-6847-80BF-A35A6F1DF0EC}"/>
+              </a:ext>
+            </a:extLst>
+          </p:cNvPr>
+          <p:cNvSpPr>
+            <a:spLocks noGrp="1"/>
+          </p:cNvSpPr>
+          <p:nvPr>
+            <p:ph type="sldNum" idx="12"/>
+          </p:nvPr>
+        </p:nvSpPr>
+        <p:spPr/>
+        <p:txBody>
+          <a:bodyPr/>
+          <a:lstStyle/>
+          <a:p>
+            <a:pPr marL="0" lvl="0" indent="0" algn="r" rtl="0">
+              <a:spcBef>
+                <a:spcPts val="0"/>
+              </a:spcBef>
+              <a:spcAft>
+                <a:spcPts val="0"/>
+              </a:spcAft>
+              <a:buNone/>
+            </a:pPr>
+            <a:fld id="{00000000-1234-1234-1234-123412341234}" type="slidenum">
+              <a:rPr lang="en-US" smtClean="0"/>
+              <a:t>6</a:t>
+            </a:fld>
+            <a:endParaRPr lang="en-US"/>
           </a:p>
         </p:txBody>
       </p:sp>
@@ -23739,6 +24228,72 @@
           </a:p>
           <a:p>
             <a:endParaRPr lang="en-US" dirty="0"/>
+          </a:p>
+        </p:txBody>
+      </p:sp>
+      <p:sp>
+        <p:nvSpPr>
+          <p:cNvPr id="4" name="Footer Placeholder 3">
+            <a:extLst>
+              <a:ext uri="{FF2B5EF4-FFF2-40B4-BE49-F238E27FC236}">
+                <a16:creationId xmlns:a16="http://schemas.microsoft.com/office/drawing/2014/main" id="{1D55C81F-BF93-9048-8059-EFE362D74FD7}"/>
+              </a:ext>
+            </a:extLst>
+          </p:cNvPr>
+          <p:cNvSpPr>
+            <a:spLocks noGrp="1"/>
+          </p:cNvSpPr>
+          <p:nvPr>
+            <p:ph type="ftr" idx="11"/>
+          </p:nvPr>
+        </p:nvSpPr>
+        <p:spPr/>
+        <p:txBody>
+          <a:bodyPr/>
+          <a:lstStyle/>
+          <a:p>
+            <a:r>
+              <a:rPr lang="en-US"/>
+              <a:t>Copyright 2020 FTCTutorials.com (Last edit 4/1/2020)</a:t>
+            </a:r>
+          </a:p>
+        </p:txBody>
+      </p:sp>
+      <p:sp>
+        <p:nvSpPr>
+          <p:cNvPr id="5" name="Slide Number Placeholder 4">
+            <a:extLst>
+              <a:ext uri="{FF2B5EF4-FFF2-40B4-BE49-F238E27FC236}">
+                <a16:creationId xmlns:a16="http://schemas.microsoft.com/office/drawing/2014/main" id="{803F05DF-4746-C24F-B0A2-3A2793E2C4B2}"/>
+              </a:ext>
+            </a:extLst>
+          </p:cNvPr>
+          <p:cNvSpPr>
+            <a:spLocks noGrp="1"/>
+          </p:cNvSpPr>
+          <p:nvPr>
+            <p:ph type="sldNum" idx="12"/>
+          </p:nvPr>
+        </p:nvSpPr>
+        <p:spPr/>
+        <p:txBody>
+          <a:bodyPr/>
+          <a:lstStyle/>
+          <a:p>
+            <a:pPr marL="0" lvl="0" indent="0" algn="r" rtl="0">
+              <a:spcBef>
+                <a:spcPts val="0"/>
+              </a:spcBef>
+              <a:spcAft>
+                <a:spcPts val="0"/>
+              </a:spcAft>
+              <a:buNone/>
+            </a:pPr>
+            <a:fld id="{00000000-1234-1234-1234-123412341234}" type="slidenum">
+              <a:rPr lang="en-US" smtClean="0"/>
+              <a:t>7</a:t>
+            </a:fld>
+            <a:endParaRPr lang="en-US"/>
           </a:p>
         </p:txBody>
       </p:sp>
@@ -23932,6 +24487,72 @@
           </a:p>
         </p:txBody>
       </p:sp>
+      <p:sp>
+        <p:nvSpPr>
+          <p:cNvPr id="4" name="Footer Placeholder 3">
+            <a:extLst>
+              <a:ext uri="{FF2B5EF4-FFF2-40B4-BE49-F238E27FC236}">
+                <a16:creationId xmlns:a16="http://schemas.microsoft.com/office/drawing/2014/main" id="{B848ED80-9A85-374B-84AE-0A414F048377}"/>
+              </a:ext>
+            </a:extLst>
+          </p:cNvPr>
+          <p:cNvSpPr>
+            <a:spLocks noGrp="1"/>
+          </p:cNvSpPr>
+          <p:nvPr>
+            <p:ph type="ftr" idx="11"/>
+          </p:nvPr>
+        </p:nvSpPr>
+        <p:spPr/>
+        <p:txBody>
+          <a:bodyPr/>
+          <a:lstStyle/>
+          <a:p>
+            <a:r>
+              <a:rPr lang="en-US"/>
+              <a:t>Copyright 2020 FTCTutorials.com (Last edit 4/1/2020)</a:t>
+            </a:r>
+          </a:p>
+        </p:txBody>
+      </p:sp>
+      <p:sp>
+        <p:nvSpPr>
+          <p:cNvPr id="5" name="Slide Number Placeholder 4">
+            <a:extLst>
+              <a:ext uri="{FF2B5EF4-FFF2-40B4-BE49-F238E27FC236}">
+                <a16:creationId xmlns:a16="http://schemas.microsoft.com/office/drawing/2014/main" id="{3108B1C8-69DE-2146-A0E9-A920DCC6D5F2}"/>
+              </a:ext>
+            </a:extLst>
+          </p:cNvPr>
+          <p:cNvSpPr>
+            <a:spLocks noGrp="1"/>
+          </p:cNvSpPr>
+          <p:nvPr>
+            <p:ph type="sldNum" idx="12"/>
+          </p:nvPr>
+        </p:nvSpPr>
+        <p:spPr/>
+        <p:txBody>
+          <a:bodyPr/>
+          <a:lstStyle/>
+          <a:p>
+            <a:pPr marL="0" lvl="0" indent="0" algn="r" rtl="0">
+              <a:spcBef>
+                <a:spcPts val="0"/>
+              </a:spcBef>
+              <a:spcAft>
+                <a:spcPts val="0"/>
+              </a:spcAft>
+              <a:buNone/>
+            </a:pPr>
+            <a:fld id="{00000000-1234-1234-1234-123412341234}" type="slidenum">
+              <a:rPr lang="en-US" smtClean="0"/>
+              <a:t>8</a:t>
+            </a:fld>
+            <a:endParaRPr lang="en-US"/>
+          </a:p>
+        </p:txBody>
+      </p:sp>
     </p:spTree>
     <p:extLst>
       <p:ext uri="{BB962C8B-B14F-4D97-AF65-F5344CB8AC3E}">
@@ -24101,6 +24722,72 @@
           </a:p>
           <a:p>
             <a:endParaRPr lang="en-US" dirty="0"/>
+          </a:p>
+        </p:txBody>
+      </p:sp>
+      <p:sp>
+        <p:nvSpPr>
+          <p:cNvPr id="4" name="Footer Placeholder 3">
+            <a:extLst>
+              <a:ext uri="{FF2B5EF4-FFF2-40B4-BE49-F238E27FC236}">
+                <a16:creationId xmlns:a16="http://schemas.microsoft.com/office/drawing/2014/main" id="{249B2314-DE1F-0F41-8F0C-CA0826FFD51F}"/>
+              </a:ext>
+            </a:extLst>
+          </p:cNvPr>
+          <p:cNvSpPr>
+            <a:spLocks noGrp="1"/>
+          </p:cNvSpPr>
+          <p:nvPr>
+            <p:ph type="ftr" idx="11"/>
+          </p:nvPr>
+        </p:nvSpPr>
+        <p:spPr/>
+        <p:txBody>
+          <a:bodyPr/>
+          <a:lstStyle/>
+          <a:p>
+            <a:r>
+              <a:rPr lang="en-US"/>
+              <a:t>Copyright 2020 FTCTutorials.com (Last edit 4/1/2020)</a:t>
+            </a:r>
+          </a:p>
+        </p:txBody>
+      </p:sp>
+      <p:sp>
+        <p:nvSpPr>
+          <p:cNvPr id="5" name="Slide Number Placeholder 4">
+            <a:extLst>
+              <a:ext uri="{FF2B5EF4-FFF2-40B4-BE49-F238E27FC236}">
+                <a16:creationId xmlns:a16="http://schemas.microsoft.com/office/drawing/2014/main" id="{C41CBAE0-0564-B448-BCF9-FBB3479451C4}"/>
+              </a:ext>
+            </a:extLst>
+          </p:cNvPr>
+          <p:cNvSpPr>
+            <a:spLocks noGrp="1"/>
+          </p:cNvSpPr>
+          <p:nvPr>
+            <p:ph type="sldNum" idx="12"/>
+          </p:nvPr>
+        </p:nvSpPr>
+        <p:spPr/>
+        <p:txBody>
+          <a:bodyPr/>
+          <a:lstStyle/>
+          <a:p>
+            <a:pPr marL="0" lvl="0" indent="0" algn="r" rtl="0">
+              <a:spcBef>
+                <a:spcPts val="0"/>
+              </a:spcBef>
+              <a:spcAft>
+                <a:spcPts val="0"/>
+              </a:spcAft>
+              <a:buNone/>
+            </a:pPr>
+            <a:fld id="{00000000-1234-1234-1234-123412341234}" type="slidenum">
+              <a:rPr lang="en-US" smtClean="0"/>
+              <a:t>9</a:t>
+            </a:fld>
+            <a:endParaRPr lang="en-US"/>
           </a:p>
         </p:txBody>
       </p:sp>
